--- a/Target/docs/Target Tap.pptx
+++ b/Target/docs/Target Tap.pptx
@@ -1524,8 +1524,8 @@
         </p:nvSpPr>
         <p:spPr>
           <a:xfrm>
-            <a:off x="381187" y="685800"/>
-            <a:ext cx="6096299" cy="3429000"/>
+            <a:off x="381000" y="685800"/>
+            <a:ext cx="6096000" cy="3429000"/>
           </a:xfrm>
           <a:custGeom>
             <a:avLst/>
@@ -5178,7 +5178,7 @@
               <a:buNone/>
             </a:pPr>
             <a:r>
-              <a:rPr lang="en" sz="1800"/>
+              <a:rPr lang="en" sz="1800" dirty="0"/>
               <a:t>- Implementing multiple buttons</a:t>
             </a:r>
           </a:p>
@@ -5190,9 +5190,22 @@
               <a:buNone/>
             </a:pPr>
             <a:r>
-              <a:rPr lang="en" sz="1800"/>
-              <a:t>	-</a:t>
-            </a:r>
+              <a:rPr lang="en" sz="1800" dirty="0"/>
+              <a:t>	</a:t>
+            </a:r>
+            <a:r>
+              <a:rPr lang="en" sz="1800" dirty="0" smtClean="0"/>
+              <a:t>-</a:t>
+            </a:r>
+            <a:r>
+              <a:rPr lang="en-US" sz="1800" smtClean="0"/>
+              <a:t> Overlapping </a:t>
+            </a:r>
+            <a:r>
+              <a:rPr lang="en-US" sz="1800" dirty="0" smtClean="0"/>
+              <a:t>buttons </a:t>
+            </a:r>
+            <a:endParaRPr lang="en" sz="1800" dirty="0"/>
           </a:p>
           <a:p>
             <a:pPr lvl="0" rtl="0">
@@ -5202,7 +5215,7 @@
               <a:buNone/>
             </a:pPr>
             <a:r>
-              <a:rPr lang="en" sz="1800"/>
+              <a:rPr lang="en" sz="1800" dirty="0"/>
               <a:t>- Implementing a timer</a:t>
             </a:r>
           </a:p>
@@ -5214,7 +5227,7 @@
               <a:buNone/>
             </a:pPr>
             <a:r>
-              <a:rPr lang="en" sz="1800"/>
+              <a:rPr lang="en" sz="1800" dirty="0"/>
               <a:t>	- Created timer that reduced time as player scores more</a:t>
             </a:r>
           </a:p>
@@ -5226,7 +5239,7 @@
               <a:buNone/>
             </a:pPr>
             <a:r>
-              <a:rPr lang="en" sz="1800"/>
+              <a:rPr lang="en" sz="1800" dirty="0"/>
               <a:t>- Implementing a settings menu</a:t>
             </a:r>
           </a:p>
@@ -5238,7 +5251,7 @@
               <a:buNone/>
             </a:pPr>
             <a:r>
-              <a:rPr lang="en" sz="1800"/>
+              <a:rPr lang="en" sz="1800" dirty="0"/>
               <a:t>	- Created a file to write and read setting from, each with their own specific value. Read in at game play</a:t>
             </a:r>
           </a:p>
@@ -5250,7 +5263,7 @@
               <a:buNone/>
             </a:pPr>
             <a:r>
-              <a:rPr lang="en" sz="1800"/>
+              <a:rPr lang="en" sz="1800" dirty="0"/>
               <a:t>- Implementing a high score menu</a:t>
             </a:r>
           </a:p>
@@ -5262,7 +5275,7 @@
               <a:buNone/>
             </a:pPr>
             <a:r>
-              <a:rPr lang="en" sz="1800"/>
+              <a:rPr lang="en" sz="1800" dirty="0"/>
               <a:t>	- Still unimplemented </a:t>
             </a:r>
           </a:p>
@@ -5274,7 +5287,7 @@
               <a:buNone/>
             </a:pPr>
             <a:r>
-              <a:rPr lang="en" sz="1800"/>
+              <a:rPr lang="en" sz="1800" dirty="0"/>
               <a:t>- Implementing a score bar on screen</a:t>
             </a:r>
           </a:p>
@@ -5286,7 +5299,7 @@
               <a:buNone/>
             </a:pPr>
             <a:r>
-              <a:rPr lang="en" sz="1800"/>
+              <a:rPr lang="en" sz="1800" dirty="0"/>
               <a:t>	- Still unimplemented </a:t>
             </a:r>
           </a:p>
